--- a/docs/diagrams/ManagementModelComponentClassDiagram.pptx
+++ b/docs/diagrams/ManagementModelComponentClassDiagram.pptx
@@ -209,7 +209,7 @@
           <a:p>
             <a:fld id="{F5CC4B3F-88C1-4FFA-B1B6-F41C21DC6924}" type="datetimeFigureOut">
               <a:rPr lang="en-US" smtClean="0"/>
-              <a:t>4/1/2019</a:t>
+              <a:t>4/14/2019</a:t>
             </a:fld>
             <a:endParaRPr lang="en-US"/>
           </a:p>
@@ -655,7 +655,7 @@
           <a:p>
             <a:fld id="{78C97017-6FC3-485B-9764-EAC9E56C1D49}" type="datetimeFigureOut">
               <a:rPr lang="en-US" smtClean="0"/>
-              <a:t>4/1/2019</a:t>
+              <a:t>4/14/2019</a:t>
             </a:fld>
             <a:endParaRPr lang="en-US"/>
           </a:p>
@@ -823,7 +823,7 @@
           <a:p>
             <a:fld id="{78C97017-6FC3-485B-9764-EAC9E56C1D49}" type="datetimeFigureOut">
               <a:rPr lang="en-US" smtClean="0"/>
-              <a:t>4/1/2019</a:t>
+              <a:t>4/14/2019</a:t>
             </a:fld>
             <a:endParaRPr lang="en-US"/>
           </a:p>
@@ -1001,7 +1001,7 @@
           <a:p>
             <a:fld id="{78C97017-6FC3-485B-9764-EAC9E56C1D49}" type="datetimeFigureOut">
               <a:rPr lang="en-US" smtClean="0"/>
-              <a:t>4/1/2019</a:t>
+              <a:t>4/14/2019</a:t>
             </a:fld>
             <a:endParaRPr lang="en-US"/>
           </a:p>
@@ -1169,7 +1169,7 @@
           <a:p>
             <a:fld id="{78C97017-6FC3-485B-9764-EAC9E56C1D49}" type="datetimeFigureOut">
               <a:rPr lang="en-US" smtClean="0"/>
-              <a:t>4/1/2019</a:t>
+              <a:t>4/14/2019</a:t>
             </a:fld>
             <a:endParaRPr lang="en-US"/>
           </a:p>
@@ -1414,7 +1414,7 @@
           <a:p>
             <a:fld id="{78C97017-6FC3-485B-9764-EAC9E56C1D49}" type="datetimeFigureOut">
               <a:rPr lang="en-US" smtClean="0"/>
-              <a:t>4/1/2019</a:t>
+              <a:t>4/14/2019</a:t>
             </a:fld>
             <a:endParaRPr lang="en-US"/>
           </a:p>
@@ -1699,7 +1699,7 @@
           <a:p>
             <a:fld id="{78C97017-6FC3-485B-9764-EAC9E56C1D49}" type="datetimeFigureOut">
               <a:rPr lang="en-US" smtClean="0"/>
-              <a:t>4/1/2019</a:t>
+              <a:t>4/14/2019</a:t>
             </a:fld>
             <a:endParaRPr lang="en-US"/>
           </a:p>
@@ -2118,7 +2118,7 @@
           <a:p>
             <a:fld id="{78C97017-6FC3-485B-9764-EAC9E56C1D49}" type="datetimeFigureOut">
               <a:rPr lang="en-US" smtClean="0"/>
-              <a:t>4/1/2019</a:t>
+              <a:t>4/14/2019</a:t>
             </a:fld>
             <a:endParaRPr lang="en-US"/>
           </a:p>
@@ -2235,7 +2235,7 @@
           <a:p>
             <a:fld id="{78C97017-6FC3-485B-9764-EAC9E56C1D49}" type="datetimeFigureOut">
               <a:rPr lang="en-US" smtClean="0"/>
-              <a:t>4/1/2019</a:t>
+              <a:t>4/14/2019</a:t>
             </a:fld>
             <a:endParaRPr lang="en-US"/>
           </a:p>
@@ -2330,7 +2330,7 @@
           <a:p>
             <a:fld id="{78C97017-6FC3-485B-9764-EAC9E56C1D49}" type="datetimeFigureOut">
               <a:rPr lang="en-US" smtClean="0"/>
-              <a:t>4/1/2019</a:t>
+              <a:t>4/14/2019</a:t>
             </a:fld>
             <a:endParaRPr lang="en-US"/>
           </a:p>
@@ -2605,7 +2605,7 @@
           <a:p>
             <a:fld id="{78C97017-6FC3-485B-9764-EAC9E56C1D49}" type="datetimeFigureOut">
               <a:rPr lang="en-US" smtClean="0"/>
-              <a:t>4/1/2019</a:t>
+              <a:t>4/14/2019</a:t>
             </a:fld>
             <a:endParaRPr lang="en-US"/>
           </a:p>
@@ -2857,7 +2857,7 @@
           <a:p>
             <a:fld id="{78C97017-6FC3-485B-9764-EAC9E56C1D49}" type="datetimeFigureOut">
               <a:rPr lang="en-US" smtClean="0"/>
-              <a:t>4/1/2019</a:t>
+              <a:t>4/14/2019</a:t>
             </a:fld>
             <a:endParaRPr lang="en-US"/>
           </a:p>
@@ -3068,7 +3068,7 @@
           <a:p>
             <a:fld id="{78C97017-6FC3-485B-9764-EAC9E56C1D49}" type="datetimeFigureOut">
               <a:rPr lang="en-US" smtClean="0"/>
-              <a:t>4/1/2019</a:t>
+              <a:t>4/14/2019</a:t>
             </a:fld>
             <a:endParaRPr lang="en-US"/>
           </a:p>
@@ -3451,8 +3451,8 @@
         </p:nvSpPr>
         <p:spPr>
           <a:xfrm>
-            <a:off x="1119865" y="1541120"/>
-            <a:ext cx="7490735" cy="3124200"/>
+            <a:off x="1119866" y="1541120"/>
+            <a:ext cx="7114044" cy="3124200"/>
           </a:xfrm>
           <a:prstGeom prst="roundRect">
             <a:avLst>
@@ -3527,7 +3527,7 @@
           </a:xfrm>
           <a:prstGeom prst="bentConnector3">
             <a:avLst>
-              <a:gd name="adj1" fmla="val 50000"/>
+              <a:gd name="adj1" fmla="val 47025"/>
             </a:avLst>
           </a:prstGeom>
           <a:ln>
@@ -4321,8 +4321,8 @@
         </p:nvSpPr>
         <p:spPr>
           <a:xfrm>
-            <a:off x="5469770" y="3949103"/>
-            <a:ext cx="189257" cy="178683"/>
+            <a:off x="5365126" y="3949104"/>
+            <a:ext cx="293901" cy="161692"/>
           </a:xfrm>
           <a:prstGeom prst="rect">
             <a:avLst/>
@@ -4345,7 +4345,7 @@
                   <a:srgbClr val="7030A0"/>
                 </a:solidFill>
               </a:rPr>
-              <a:t>1..</a:t>
+              <a:t>1..*</a:t>
             </a:r>
             <a:endParaRPr lang="en-SG" sz="1400" dirty="0">
               <a:solidFill>
@@ -4585,8 +4585,8 @@
         </p:nvSpPr>
         <p:spPr>
           <a:xfrm>
-            <a:off x="6910108" y="3953248"/>
-            <a:ext cx="189257" cy="178683"/>
+            <a:off x="6796132" y="3953249"/>
+            <a:ext cx="303233" cy="178682"/>
           </a:xfrm>
           <a:prstGeom prst="rect">
             <a:avLst/>
@@ -4609,7 +4609,7 @@
                   <a:srgbClr val="7030A0"/>
                 </a:solidFill>
               </a:rPr>
-              <a:t>1..</a:t>
+              <a:t>1..*</a:t>
             </a:r>
             <a:endParaRPr lang="en-SG" sz="1400" dirty="0">
               <a:solidFill>
@@ -4998,6 +4998,162 @@
           </p:style>
         </p:cxnSp>
       </p:grpSp>
+      <p:sp>
+        <p:nvSpPr>
+          <p:cNvPr id="32" name="Rectangle 8">
+            <a:extLst>
+              <a:ext uri="{FF2B5EF4-FFF2-40B4-BE49-F238E27FC236}">
+                <a16:creationId xmlns:a16="http://schemas.microsoft.com/office/drawing/2014/main" id="{669E1748-91FA-4B8A-9B4F-2E992E0B05AB}"/>
+              </a:ext>
+            </a:extLst>
+          </p:cNvPr>
+          <p:cNvSpPr/>
+          <p:nvPr/>
+        </p:nvSpPr>
+        <p:spPr>
+          <a:xfrm>
+            <a:off x="4270915" y="2954807"/>
+            <a:ext cx="875670" cy="334856"/>
+          </a:xfrm>
+          <a:prstGeom prst="rect">
+            <a:avLst/>
+          </a:prstGeom>
+          <a:solidFill>
+            <a:srgbClr val="A776CC"/>
+          </a:solidFill>
+          <a:ln w="19050">
+            <a:noFill/>
+          </a:ln>
+          <a:effectLst/>
+        </p:spPr>
+        <p:style>
+          <a:lnRef idx="1">
+            <a:schemeClr val="accent4"/>
+          </a:lnRef>
+          <a:fillRef idx="2">
+            <a:schemeClr val="accent4"/>
+          </a:fillRef>
+          <a:effectRef idx="1">
+            <a:schemeClr val="accent4"/>
+          </a:effectRef>
+          <a:fontRef idx="minor">
+            <a:schemeClr val="dk1"/>
+          </a:fontRef>
+        </p:style>
+        <p:txBody>
+          <a:bodyPr rtlCol="0" anchor="ctr"/>
+          <a:lstStyle/>
+          <a:p>
+            <a:pPr algn="ctr"/>
+            <a:r>
+              <a:rPr lang="en-US" sz="1050" dirty="0">
+                <a:solidFill>
+                  <a:schemeClr val="bg1"/>
+                </a:solidFill>
+              </a:rPr>
+              <a:t>User</a:t>
+            </a:r>
+            <a:endParaRPr lang="en-SG" sz="1050" dirty="0">
+              <a:solidFill>
+                <a:schemeClr val="bg1"/>
+              </a:solidFill>
+            </a:endParaRPr>
+          </a:p>
+        </p:txBody>
+      </p:sp>
+      <p:sp>
+        <p:nvSpPr>
+          <p:cNvPr id="33" name="TextBox 32">
+            <a:extLst>
+              <a:ext uri="{FF2B5EF4-FFF2-40B4-BE49-F238E27FC236}">
+                <a16:creationId xmlns:a16="http://schemas.microsoft.com/office/drawing/2014/main" id="{8CE7A036-07C7-4E98-A53F-31B9CBD57F65}"/>
+              </a:ext>
+            </a:extLst>
+          </p:cNvPr>
+          <p:cNvSpPr txBox="1"/>
+          <p:nvPr/>
+        </p:nvSpPr>
+        <p:spPr>
+          <a:xfrm>
+            <a:off x="4059652" y="2876335"/>
+            <a:ext cx="189257" cy="178683"/>
+          </a:xfrm>
+          <a:prstGeom prst="rect">
+            <a:avLst/>
+          </a:prstGeom>
+          <a:noFill/>
+          <a:ln>
+            <a:noFill/>
+          </a:ln>
+        </p:spPr>
+        <p:txBody>
+          <a:bodyPr wrap="square" lIns="0" tIns="0" rIns="0" bIns="0" rtlCol="0">
+            <a:noAutofit/>
+          </a:bodyPr>
+          <a:lstStyle/>
+          <a:p>
+            <a:pPr algn="ctr"/>
+            <a:r>
+              <a:rPr lang="en-US" sz="1400" dirty="0">
+                <a:solidFill>
+                  <a:srgbClr val="7030A0"/>
+                </a:solidFill>
+              </a:rPr>
+              <a:t>1</a:t>
+            </a:r>
+            <a:endParaRPr lang="en-SG" sz="1400" dirty="0">
+              <a:solidFill>
+                <a:srgbClr val="7030A0"/>
+              </a:solidFill>
+            </a:endParaRPr>
+          </a:p>
+        </p:txBody>
+      </p:sp>
+      <p:cxnSp>
+        <p:nvCxnSpPr>
+          <p:cNvPr id="3" name="Straight Arrow Connector 2">
+            <a:extLst>
+              <a:ext uri="{FF2B5EF4-FFF2-40B4-BE49-F238E27FC236}">
+                <a16:creationId xmlns:a16="http://schemas.microsoft.com/office/drawing/2014/main" id="{987B1B0A-74CA-4E99-A62B-1957B3DEA3FC}"/>
+              </a:ext>
+            </a:extLst>
+          </p:cNvPr>
+          <p:cNvCxnSpPr>
+            <a:cxnSpLocks/>
+            <a:endCxn id="32" idx="1"/>
+          </p:cNvCxnSpPr>
+          <p:nvPr/>
+        </p:nvCxnSpPr>
+        <p:spPr>
+          <a:xfrm>
+            <a:off x="3886200" y="3122235"/>
+            <a:ext cx="384715" cy="0"/>
+          </a:xfrm>
+          <a:prstGeom prst="straightConnector1">
+            <a:avLst/>
+          </a:prstGeom>
+          <a:ln>
+            <a:solidFill>
+              <a:srgbClr val="7030A0"/>
+            </a:solidFill>
+            <a:tailEnd type="triangle"/>
+          </a:ln>
+        </p:spPr>
+        <p:style>
+          <a:lnRef idx="1">
+            <a:schemeClr val="accent1"/>
+          </a:lnRef>
+          <a:fillRef idx="0">
+            <a:schemeClr val="accent1"/>
+          </a:fillRef>
+          <a:effectRef idx="0">
+            <a:schemeClr val="accent1"/>
+          </a:effectRef>
+          <a:fontRef idx="minor">
+            <a:schemeClr val="tx1"/>
+          </a:fontRef>
+        </p:style>
+      </p:cxnSp>
     </p:spTree>
     <p:extLst>
       <p:ext uri="{BB962C8B-B14F-4D97-AF65-F5344CB8AC3E}">
